--- a/国科大经典版PPT一些备用图.pptx
+++ b/国科大经典版PPT一些备用图.pptx
@@ -11,11 +11,12 @@
     <p:sldId id="263" r:id="rId3"/>
     <p:sldId id="270" r:id="rId5"/>
     <p:sldId id="271" r:id="rId6"/>
+    <p:sldId id="272" r:id="rId7"/>
   </p:sldIdLst>
   <p:sldSz cx="12192000" cy="6858000"/>
   <p:notesSz cx="6858000" cy="9144000"/>
   <p:custDataLst>
-    <p:tags r:id="rId10"/>
+    <p:tags r:id="rId11"/>
   </p:custDataLst>
   <p:defaultTextStyle>
     <a:defPPr>
@@ -712,6 +713,106 @@
             <a:fld id="{5FD4487E-253C-4F2A-AD3B-D7DF4058A670}" type="slidenum">
               <a:rPr lang="zh-CN" altLang="en-US" smtClean="0"/>
             </a:fld>
+            <a:endParaRPr lang="zh-CN" altLang="en-US"/>
+          </a:p>
+        </p:txBody>
+      </p:sp>
+    </p:spTree>
+  </p:cSld>
+  <p:clrMapOvr>
+    <a:masterClrMapping/>
+  </p:clrMapOvr>
+</p:notes>
+</file>
+
+<file path=ppt/notesSlides/notesSlide4.xml><?xml version="1.0" encoding="utf-8"?>
+<p:notes xmlns:a="http://schemas.openxmlformats.org/drawingml/2006/main" xmlns:r="http://schemas.openxmlformats.org/officeDocument/2006/relationships" xmlns:p="http://schemas.openxmlformats.org/presentationml/2006/main">
+  <p:cSld>
+    <p:spTree>
+      <p:nvGrpSpPr>
+        <p:cNvPr id="1" name=""/>
+        <p:cNvGrpSpPr/>
+        <p:nvPr/>
+      </p:nvGrpSpPr>
+      <p:grpSpPr/>
+      <p:sp>
+        <p:nvSpPr>
+          <p:cNvPr id="2" name="幻灯片图像占位符 1"/>
+          <p:cNvSpPr/>
+          <p:nvPr>
+            <p:ph type="sldImg" idx="2"/>
+          </p:nvPr>
+        </p:nvSpPr>
+        <p:spPr/>
+      </p:sp>
+      <p:sp>
+        <p:nvSpPr>
+          <p:cNvPr id="3" name="文本占位符 2"/>
+          <p:cNvSpPr/>
+          <p:nvPr>
+            <p:ph type="body" idx="3"/>
+          </p:nvPr>
+        </p:nvSpPr>
+        <p:spPr/>
+        <p:txBody>
+          <a:bodyPr/>
+          <a:p>
+            <a:r>
+              <a:rPr lang="zh-CN" altLang="en-US"/>
+              <a:t>但是还有一些很大的不足。</a:t>
+            </a:r>
+            <a:endParaRPr lang="zh-CN" altLang="en-US"/>
+          </a:p>
+          <a:p>
+            <a:endParaRPr lang="zh-CN" altLang="en-US"/>
+          </a:p>
+          <a:p>
+            <a:r>
+              <a:rPr lang="zh-CN" altLang="en-US"/>
+              <a:t>由于训练框架中会使用抽象解释的方法，而抽象解释导致gamma会有相应的误差，不能准确地对具体数据的所在空间进行定位。换句话说，可能导致不在应该修复的空间内的点</a:t>
+            </a:r>
+            <a:r>
+              <a:rPr lang="zh-CN" altLang="en-US"/>
+              <a:t>被修复。</a:t>
+            </a:r>
+            <a:endParaRPr lang="zh-CN" altLang="en-US"/>
+          </a:p>
+          <a:p>
+            <a:endParaRPr lang="zh-CN" altLang="en-US"/>
+          </a:p>
+          <a:p>
+            <a:r>
+              <a:rPr lang="zh-CN" altLang="en-US"/>
+              <a:t>还有一个问题是训练得到</a:t>
+            </a:r>
+            <a:r>
+              <a:rPr lang="en-US" altLang="zh-CN"/>
+              <a:t>patch</a:t>
+            </a:r>
+            <a:r>
+              <a:rPr lang="zh-CN" altLang="en-US"/>
+              <a:t>网络参数都是相同的，换句话说，我们训练得到的</a:t>
+            </a:r>
+            <a:r>
+              <a:rPr lang="en-US" altLang="zh-CN"/>
+              <a:t>patch</a:t>
+            </a:r>
+            <a:r>
+              <a:rPr lang="zh-CN" altLang="en-US"/>
+              <a:t>网络并没有达到修复特定性质的目的。这有可能是因为</a:t>
+            </a:r>
+            <a:r>
+              <a:rPr lang="en-US" altLang="zh-CN"/>
+              <a:t>indicator</a:t>
+            </a:r>
+            <a:r>
+              <a:rPr lang="zh-CN" altLang="en-US"/>
+              <a:t>不够精确，也有可能是训练的设计不好，需要进一步的</a:t>
+            </a:r>
+            <a:r>
+              <a:rPr lang="zh-CN" altLang="en-US"/>
+              <a:t>研究。</a:t>
+            </a:r>
             <a:endParaRPr lang="zh-CN" altLang="en-US"/>
           </a:p>
         </p:txBody>
@@ -12894,6 +12995,175 @@
 </p:sld>
 </file>
 
+<file path=ppt/slides/slide4.xml><?xml version="1.0" encoding="utf-8"?>
+<p:sld xmlns:a="http://schemas.openxmlformats.org/drawingml/2006/main" xmlns:r="http://schemas.openxmlformats.org/officeDocument/2006/relationships" xmlns:p="http://schemas.openxmlformats.org/presentationml/2006/main">
+  <p:cSld>
+    <p:spTree>
+      <p:nvGrpSpPr>
+        <p:cNvPr id="1" name=""/>
+        <p:cNvGrpSpPr/>
+        <p:nvPr/>
+      </p:nvGrpSpPr>
+      <p:grpSpPr/>
+      <p:sp>
+        <p:nvSpPr>
+          <p:cNvPr id="2" name="内容占位符 1"/>
+          <p:cNvSpPr>
+            <a:spLocks noGrp="1"/>
+          </p:cNvSpPr>
+          <p:nvPr>
+            <p:ph idx="1"/>
+          </p:nvPr>
+        </p:nvSpPr>
+        <p:spPr/>
+        <p:txBody>
+          <a:bodyPr>
+            <a:normAutofit/>
+          </a:bodyPr>
+          <a:p>
+            <a:pPr lvl="0" fontAlgn="auto">
+              <a:lnSpc>
+                <a:spcPct val="150000"/>
+              </a:lnSpc>
+            </a:pPr>
+            <a:endParaRPr lang="zh-CN" altLang="en-US"/>
+          </a:p>
+          <a:p>
+            <a:pPr lvl="0" fontAlgn="auto">
+              <a:lnSpc>
+                <a:spcPct val="150000"/>
+              </a:lnSpc>
+            </a:pPr>
+            <a:endParaRPr lang="zh-CN" altLang="en-US"/>
+          </a:p>
+          <a:p>
+            <a:pPr lvl="0" fontAlgn="auto">
+              <a:lnSpc>
+                <a:spcPct val="150000"/>
+              </a:lnSpc>
+            </a:pPr>
+            <a:endParaRPr lang="zh-CN" altLang="en-US"/>
+          </a:p>
+          <a:p>
+            <a:pPr lvl="0" fontAlgn="auto">
+              <a:lnSpc>
+                <a:spcPct val="150000"/>
+              </a:lnSpc>
+            </a:pPr>
+            <a:r>
+              <a:rPr lang="zh-CN" altLang="en-US"/>
+              <a:t>结果讨论：</a:t>
+            </a:r>
+            <a:endParaRPr lang="zh-CN" altLang="en-US"/>
+          </a:p>
+          <a:p>
+            <a:pPr lvl="1" fontAlgn="auto">
+              <a:lnSpc>
+                <a:spcPct val="150000"/>
+              </a:lnSpc>
+            </a:pPr>
+            <a:r>
+              <a:rPr lang="zh-CN" altLang="en-US"/>
+              <a:t>抽象解释</a:t>
+            </a:r>
+            <a:r>
+              <a:rPr lang="en-US" altLang="zh-CN"/>
+              <a:t> &amp; indicator</a:t>
+            </a:r>
+            <a:r>
+              <a:rPr lang="zh-CN" altLang="en-US"/>
+              <a:t>与</a:t>
+            </a:r>
+            <a:r>
+              <a:rPr lang="en-US" altLang="zh-CN"/>
+              <a:t>patch</a:t>
+            </a:r>
+            <a:r>
+              <a:rPr lang="zh-CN" altLang="en-US"/>
+              <a:t>的</a:t>
+            </a:r>
+            <a:r>
+              <a:rPr lang="zh-CN" altLang="en-US"/>
+              <a:t>结合能力</a:t>
+            </a:r>
+            <a:endParaRPr lang="zh-CN" altLang="en-US"/>
+          </a:p>
+          <a:p>
+            <a:pPr lvl="1" fontAlgn="auto">
+              <a:lnSpc>
+                <a:spcPct val="150000"/>
+              </a:lnSpc>
+            </a:pPr>
+            <a:r>
+              <a:rPr lang="en-US" altLang="zh-CN"/>
+              <a:t>indicator</a:t>
+            </a:r>
+            <a:r>
+              <a:rPr lang="zh-CN" altLang="en-US"/>
+              <a:t>未做到其功能：</a:t>
+            </a:r>
+            <a:r>
+              <a:rPr lang="zh-CN" altLang="en-US"/>
+              <a:t>参数</a:t>
+            </a:r>
+            <a:endParaRPr lang="zh-CN" altLang="en-US"/>
+          </a:p>
+        </p:txBody>
+      </p:sp>
+      <p:sp>
+        <p:nvSpPr>
+          <p:cNvPr id="3" name="标题 2"/>
+          <p:cNvSpPr>
+            <a:spLocks noGrp="1"/>
+          </p:cNvSpPr>
+          <p:nvPr>
+            <p:ph type="title"/>
+          </p:nvPr>
+        </p:nvSpPr>
+        <p:spPr/>
+        <p:txBody>
+          <a:bodyPr/>
+          <a:p>
+            <a:r>
+              <a:rPr lang="en-US" altLang="zh-CN"/>
+              <a:t>EXperiment: repair safety property</a:t>
+            </a:r>
+            <a:endParaRPr lang="en-US" altLang="zh-CN"/>
+          </a:p>
+        </p:txBody>
+      </p:sp>
+      <p:pic>
+        <p:nvPicPr>
+          <p:cNvPr id="4" name="图片 3"/>
+          <p:cNvPicPr>
+            <a:picLocks noChangeAspect="1"/>
+          </p:cNvPicPr>
+          <p:nvPr/>
+        </p:nvPicPr>
+        <p:blipFill>
+          <a:blip r:embed="rId1"/>
+          <a:stretch>
+            <a:fillRect/>
+          </a:stretch>
+        </p:blipFill>
+        <p:spPr>
+          <a:xfrm>
+            <a:off x="2101850" y="1467485"/>
+            <a:ext cx="8512175" cy="2373630"/>
+          </a:xfrm>
+          <a:prstGeom prst="rect">
+            <a:avLst/>
+          </a:prstGeom>
+        </p:spPr>
+      </p:pic>
+    </p:spTree>
+  </p:cSld>
+  <p:clrMapOvr>
+    <a:masterClrMapping/>
+  </p:clrMapOvr>
+</p:sld>
+</file>
+
 <file path=ppt/tags/tag1.xml><?xml version="1.0" encoding="utf-8"?>
 <p:tagLst xmlns:p="http://schemas.openxmlformats.org/presentationml/2006/main">
   <p:tag name="KSO_WM_BEAUTIFY_FLAG" val=""/>
